--- a/sessions_in_Abu_Dhabi/session_5.pptx
+++ b/sessions_in_Abu_Dhabi/session_5.pptx
@@ -5483,7 +5483,7 @@
             </a:pPr>
             <a:r>
               <a:rPr/>
-              <a:t>Example: Waste maanagement system</a:t>
+              <a:t>Example: Waste management system</a:t>
             </a:r>
           </a:p>
         </p:txBody>
@@ -7313,6 +7313,153 @@
                 </a:solidFill>
                 <a:latin typeface="Courier"/>
               </a:rPr>
+              <a:t># Let's start by uploading our data.</a:t>
+            </a:r>
+            <a:br/>
+            <a:r>
+              <a:rPr>
+                <a:solidFill>
+                  <a:srgbClr val="5E5E5E"/>
+                </a:solidFill>
+                <a:latin typeface="Courier"/>
+              </a:rPr>
+              <a:t># It is important to know in which folder your dataset is so you can use the right path.</a:t>
+            </a:r>
+            <a:br/>
+            <a:br/>
+            <a:r>
+              <a:rPr>
+                <a:solidFill>
+                  <a:srgbClr val="003B4F"/>
+                </a:solidFill>
+                <a:latin typeface="Courier"/>
+              </a:rPr>
+              <a:t>df &lt;- </a:t>
+            </a:r>
+            <a:r>
+              <a:rPr>
+                <a:solidFill>
+                  <a:srgbClr val="4758AB"/>
+                </a:solidFill>
+                <a:latin typeface="Courier"/>
+              </a:rPr>
+              <a:t>read.csv</a:t>
+            </a:r>
+            <a:r>
+              <a:rPr>
+                <a:solidFill>
+                  <a:srgbClr val="003B4F"/>
+                </a:solidFill>
+                <a:latin typeface="Courier"/>
+              </a:rPr>
+              <a:t>(</a:t>
+            </a:r>
+            <a:r>
+              <a:rPr>
+                <a:solidFill>
+                  <a:srgbClr val="20794D"/>
+                </a:solidFill>
+                <a:latin typeface="Courier"/>
+              </a:rPr>
+              <a:t>"./evaluation_data.csv"</a:t>
+            </a:r>
+            <a:r>
+              <a:rPr>
+                <a:solidFill>
+                  <a:srgbClr val="003B4F"/>
+                </a:solidFill>
+                <a:latin typeface="Courier"/>
+              </a:rPr>
+              <a:t>)</a:t>
+            </a:r>
+            <a:br/>
+            <a:br/>
+            <a:r>
+              <a:rPr>
+                <a:solidFill>
+                  <a:srgbClr val="5E5E5E"/>
+                </a:solidFill>
+                <a:latin typeface="Courier"/>
+              </a:rPr>
+              <a:t># We multiply the outcome variable by 1,000</a:t>
+            </a:r>
+            <a:br/>
+            <a:br/>
+            <a:r>
+              <a:rPr>
+                <a:solidFill>
+                  <a:srgbClr val="003B4F"/>
+                </a:solidFill>
+                <a:latin typeface="Courier"/>
+              </a:rPr>
+              <a:t>df</a:t>
+            </a:r>
+            <a:r>
+              <a:rPr>
+                <a:solidFill>
+                  <a:srgbClr val="5E5E5E"/>
+                </a:solidFill>
+                <a:latin typeface="Courier"/>
+              </a:rPr>
+              <a:t>$</a:t>
+            </a:r>
+            <a:r>
+              <a:rPr>
+                <a:solidFill>
+                  <a:srgbClr val="003B4F"/>
+                </a:solidFill>
+                <a:latin typeface="Courier"/>
+              </a:rPr>
+              <a:t>waste_management_costs&lt;-df</a:t>
+            </a:r>
+            <a:r>
+              <a:rPr>
+                <a:solidFill>
+                  <a:srgbClr val="5E5E5E"/>
+                </a:solidFill>
+                <a:latin typeface="Courier"/>
+              </a:rPr>
+              <a:t>$</a:t>
+            </a:r>
+            <a:r>
+              <a:rPr>
+                <a:solidFill>
+                  <a:srgbClr val="003B4F"/>
+                </a:solidFill>
+                <a:latin typeface="Courier"/>
+              </a:rPr>
+              <a:t>waste_management_costs</a:t>
+            </a:r>
+            <a:r>
+              <a:rPr>
+                <a:solidFill>
+                  <a:srgbClr val="5E5E5E"/>
+                </a:solidFill>
+                <a:latin typeface="Courier"/>
+              </a:rPr>
+              <a:t>*</a:t>
+            </a:r>
+            <a:r>
+              <a:rPr>
+                <a:solidFill>
+                  <a:srgbClr val="AD0000"/>
+                </a:solidFill>
+                <a:latin typeface="Courier"/>
+              </a:rPr>
+              <a:t>1000</a:t>
+            </a:r>
+          </a:p>
+          <a:p>
+            <a:pPr lvl="0" indent="0">
+              <a:buNone/>
+            </a:pPr>
+            <a:r>
+              <a:rPr>
+                <a:solidFill>
+                  <a:srgbClr val="5E5E5E"/>
+                </a:solidFill>
+                <a:latin typeface="Courier"/>
+              </a:rPr>
               <a:t># Compare waste management costs before and after for enrolled industries</a:t>
             </a:r>
             <a:br/>
@@ -7433,7 +7580,16 @@
                 </a:solidFill>
                 <a:latin typeface="Courier"/>
               </a:rPr>
-              <a:t> </a:t>
+              <a:t> dplyr</a:t>
+            </a:r>
+            <a:r>
+              <a:rPr>
+                <a:solidFill>
+                  <a:srgbClr val="5E5E5E"/>
+                </a:solidFill>
+                <a:latin typeface="Courier"/>
+              </a:rPr>
+              <a:t>::</a:t>
             </a:r>
             <a:r>
               <a:rPr>
@@ -7593,7 +7749,7 @@
                                         <p:tgtEl>
                                           <p:spTgt spid="3">
                                             <p:txEl>
-                                              <p:pRg st="2" end="2"/>
+                                              <p:pRg st="3" end="3"/>
                                             </p:txEl>
                                           </p:spTgt>
                                         </p:tgtEl>
@@ -7642,7 +7798,7 @@
                                         <p:tgtEl>
                                           <p:spTgt spid="3">
                                             <p:txEl>
-                                              <p:pRg st="3" end="3"/>
+                                              <p:pRg st="4" end="4"/>
                                             </p:txEl>
                                           </p:spTgt>
                                         </p:tgtEl>
